--- a/slides/flink_stream_time.pptx
+++ b/slides/flink_stream_time.pptx
@@ -231,7 +231,7 @@
           <a:p>
             <a:fld id="{0D8AA1DE-3765-3044-AB90-069FFF0A4626}" type="datetimeFigureOut">
               <a:rPr lang="en-US" smtClean="0"/>
-              <a:t>9/9/17</a:t>
+              <a:t>9/11/17</a:t>
             </a:fld>
             <a:endParaRPr lang="en-US"/>
           </a:p>
@@ -13642,7 +13642,7 @@
                 <a:cs typeface="Avenir Next" charset="0"/>
                 <a:sym typeface="Calibri"/>
               </a:rPr>
-              <a:t>timestamp &lt; </a:t>
+              <a:t>timestamp &lt;= </a:t>
             </a:r>
             <a:r>
               <a:rPr lang="en-US" sz="1800" i="1" dirty="0" err="1" smtClean="0">
@@ -16703,7 +16703,7 @@
         </p:nvSpPr>
         <p:spPr>
           <a:xfrm>
-            <a:off x="0" y="424460"/>
+            <a:off x="108152" y="463788"/>
             <a:ext cx="62968741" cy="4616648"/>
           </a:xfrm>
           <a:prstGeom prst="rect">
@@ -16813,7 +16813,7 @@
                 </a:solidFill>
                 <a:latin typeface="Menlo-Regular" charset="0"/>
               </a:rPr>
-              <a:t> </a:t>
+              <a:t>       </a:t>
             </a:r>
             <a:r>
               <a:rPr lang="en-US" sz="1400" dirty="0" err="1" smtClean="0">
@@ -20006,7 +20006,7 @@
                 <a:buSzPct val="25000"/>
               </a:pPr>
               <a:r>
-                <a:rPr lang="en" sz="1200">
+                <a:rPr lang="en" sz="1200" dirty="0">
                   <a:solidFill>
                     <a:srgbClr val="000000"/>
                   </a:solidFill>
@@ -20018,7 +20018,7 @@
                 <a:t>Episode </a:t>
               </a:r>
               <a:r>
-                <a:rPr lang="en" sz="1600" b="1">
+                <a:rPr lang="en" sz="1600" b="1" dirty="0">
                   <a:solidFill>
                     <a:srgbClr val="2DA07E"/>
                   </a:solidFill>
@@ -20030,7 +20030,7 @@
                 <a:t>II</a:t>
               </a:r>
               <a:r>
-                <a:rPr lang="en" sz="1200">
+                <a:rPr lang="en" sz="1200" dirty="0">
                   <a:solidFill>
                     <a:srgbClr val="000000"/>
                   </a:solidFill>
@@ -20047,6 +20047,42 @@
                 <a:buSzPct val="25000"/>
               </a:pPr>
               <a:r>
+                <a:rPr lang="en" sz="1200" i="1" dirty="0" err="1" smtClean="0">
+                  <a:solidFill>
+                    <a:srgbClr val="000000"/>
+                  </a:solidFill>
+                  <a:latin typeface="Calibri"/>
+                  <a:ea typeface="Calibri"/>
+                  <a:cs typeface="Calibri"/>
+                  <a:sym typeface="Calibri"/>
+                </a:rPr>
+                <a:t>Attac</a:t>
+              </a:r>
+              <a:r>
+                <a:rPr lang="en-US" sz="1200" i="1" smtClean="0">
+                  <a:solidFill>
+                    <a:srgbClr val="000000"/>
+                  </a:solidFill>
+                  <a:latin typeface="Calibri"/>
+                  <a:ea typeface="Calibri"/>
+                  <a:cs typeface="Calibri"/>
+                  <a:sym typeface="Calibri"/>
+                </a:rPr>
+                <a:t>k</a:t>
+              </a:r>
+              <a:r>
+                <a:rPr lang="en" sz="1200" i="1" smtClean="0">
+                  <a:solidFill>
+                    <a:srgbClr val="000000"/>
+                  </a:solidFill>
+                  <a:latin typeface="Calibri"/>
+                  <a:ea typeface="Calibri"/>
+                  <a:cs typeface="Calibri"/>
+                  <a:sym typeface="Calibri"/>
+                </a:rPr>
+                <a:t> </a:t>
+              </a:r>
+              <a:r>
                 <a:rPr lang="en" sz="1200" i="1">
                   <a:solidFill>
                     <a:srgbClr val="000000"/>
@@ -20056,7 +20092,7 @@
                   <a:cs typeface="Calibri"/>
                   <a:sym typeface="Calibri"/>
                 </a:rPr>
-                <a:t>Attach of </a:t>
+                <a:t>of </a:t>
               </a:r>
             </a:p>
             <a:p>
@@ -20064,7 +20100,7 @@
                 <a:buSzPct val="25000"/>
               </a:pPr>
               <a:r>
-                <a:rPr lang="en" sz="1200" i="1">
+                <a:rPr lang="en" sz="1200" i="1" dirty="0">
                   <a:solidFill>
                     <a:srgbClr val="000000"/>
                   </a:solidFill>
